--- a/example.pptx
+++ b/example.pptx
@@ -200,138 +200,25 @@
             </c:numRef>
           </c:val>
         </c:ser>
-        <c:ser>
-          <c:idx val="1"/>
-          <c:order val="1"/>
-          <c:tx>
-            <c:strRef>
-              <c:f>Sheet1!$C$1</c:f>
-              <c:strCache>
-                <c:ptCount val="1"/>
-                <c:pt idx="0">
-                  <c:v>系列 2</c:v>
-                </c:pt>
-              </c:strCache>
-            </c:strRef>
-          </c:tx>
-          <c:cat>
-            <c:strRef>
-              <c:f>Sheet1!$A$2:$A$5</c:f>
-              <c:strCache>
-                <c:ptCount val="4"/>
-                <c:pt idx="0">
-                  <c:v>类别 1</c:v>
-                </c:pt>
-                <c:pt idx="1">
-                  <c:v>类别 2</c:v>
-                </c:pt>
-                <c:pt idx="2">
-                  <c:v>类别 3</c:v>
-                </c:pt>
-                <c:pt idx="3">
-                  <c:v>类别 4</c:v>
-                </c:pt>
-              </c:strCache>
-            </c:strRef>
-          </c:cat>
-          <c:val>
-            <c:numRef>
-              <c:f>Sheet1!$C$2:$C$5</c:f>
-              <c:numCache>
-                <c:formatCode>General</c:formatCode>
-                <c:ptCount val="4"/>
-                <c:pt idx="0">
-                  <c:v>2.4</c:v>
-                </c:pt>
-                <c:pt idx="1">
-                  <c:v>4.4000000000000004</c:v>
-                </c:pt>
-                <c:pt idx="2">
-                  <c:v>1.8</c:v>
-                </c:pt>
-                <c:pt idx="3">
-                  <c:v>2.8</c:v>
-                </c:pt>
-              </c:numCache>
-            </c:numRef>
-          </c:val>
-        </c:ser>
-        <c:ser>
-          <c:idx val="2"/>
-          <c:order val="2"/>
-          <c:tx>
-            <c:strRef>
-              <c:f>Sheet1!$D$1</c:f>
-              <c:strCache>
-                <c:ptCount val="1"/>
-                <c:pt idx="0">
-                  <c:v>系列 3</c:v>
-                </c:pt>
-              </c:strCache>
-            </c:strRef>
-          </c:tx>
-          <c:cat>
-            <c:strRef>
-              <c:f>Sheet1!$A$2:$A$5</c:f>
-              <c:strCache>
-                <c:ptCount val="4"/>
-                <c:pt idx="0">
-                  <c:v>类别 1</c:v>
-                </c:pt>
-                <c:pt idx="1">
-                  <c:v>类别 2</c:v>
-                </c:pt>
-                <c:pt idx="2">
-                  <c:v>类别 3</c:v>
-                </c:pt>
-                <c:pt idx="3">
-                  <c:v>类别 4</c:v>
-                </c:pt>
-              </c:strCache>
-            </c:strRef>
-          </c:cat>
-          <c:val>
-            <c:numRef>
-              <c:f>Sheet1!$D$2:$D$5</c:f>
-              <c:numCache>
-                <c:formatCode>General</c:formatCode>
-                <c:ptCount val="4"/>
-                <c:pt idx="0">
-                  <c:v>2</c:v>
-                </c:pt>
-                <c:pt idx="1">
-                  <c:v>2</c:v>
-                </c:pt>
-                <c:pt idx="2">
-                  <c:v>3</c:v>
-                </c:pt>
-                <c:pt idx="3">
-                  <c:v>5</c:v>
-                </c:pt>
-              </c:numCache>
-            </c:numRef>
-          </c:val>
-        </c:ser>
-        <c:dLbls/>
-        <c:axId val="52809088"/>
-        <c:axId val="52812800"/>
+        <c:axId val="376842880"/>
+        <c:axId val="376865152"/>
       </c:barChart>
       <c:catAx>
-        <c:axId val="52809088"/>
+        <c:axId val="376842880"/>
         <c:scaling>
           <c:orientation val="minMax"/>
         </c:scaling>
         <c:axPos val="b"/>
         <c:majorTickMark val="none"/>
         <c:tickLblPos val="nextTo"/>
-        <c:crossAx val="52812800"/>
+        <c:crossAx val="376865152"/>
         <c:crosses val="autoZero"/>
         <c:auto val="1"/>
         <c:lblAlgn val="ctr"/>
         <c:lblOffset val="100"/>
       </c:catAx>
       <c:valAx>
-        <c:axId val="52812800"/>
+        <c:axId val="376865152"/>
         <c:scaling>
           <c:orientation val="minMax"/>
         </c:scaling>
@@ -340,7 +227,7 @@
         <c:numFmt formatCode="General" sourceLinked="1"/>
         <c:majorTickMark val="none"/>
         <c:tickLblPos val="nextTo"/>
-        <c:crossAx val="52809088"/>
+        <c:crossAx val="376842880"/>
         <c:crosses val="autoZero"/>
         <c:crossBetween val="between"/>
       </c:valAx>
@@ -547,7 +434,7 @@
             <a:fld id="{530820CF-B880-4189-942D-D702A7CBA730}" type="datetimeFigureOut">
               <a:rPr lang="zh-CN" altLang="en-US" smtClean="0"/>
               <a:pPr/>
-              <a:t>2024/10/20</a:t>
+              <a:t>2024/10/22</a:t>
             </a:fld>
             <a:endParaRPr lang="zh-CN" altLang="en-US"/>
           </a:p>
@@ -714,7 +601,7 @@
             <a:fld id="{530820CF-B880-4189-942D-D702A7CBA730}" type="datetimeFigureOut">
               <a:rPr lang="zh-CN" altLang="en-US" smtClean="0"/>
               <a:pPr/>
-              <a:t>2024/10/20</a:t>
+              <a:t>2024/10/22</a:t>
             </a:fld>
             <a:endParaRPr lang="zh-CN" altLang="en-US"/>
           </a:p>
@@ -891,7 +778,7 @@
             <a:fld id="{530820CF-B880-4189-942D-D702A7CBA730}" type="datetimeFigureOut">
               <a:rPr lang="zh-CN" altLang="en-US" smtClean="0"/>
               <a:pPr/>
-              <a:t>2024/10/20</a:t>
+              <a:t>2024/10/22</a:t>
             </a:fld>
             <a:endParaRPr lang="zh-CN" altLang="en-US"/>
           </a:p>
@@ -1058,7 +945,7 @@
             <a:fld id="{530820CF-B880-4189-942D-D702A7CBA730}" type="datetimeFigureOut">
               <a:rPr lang="zh-CN" altLang="en-US" smtClean="0"/>
               <a:pPr/>
-              <a:t>2024/10/20</a:t>
+              <a:t>2024/10/22</a:t>
             </a:fld>
             <a:endParaRPr lang="zh-CN" altLang="en-US"/>
           </a:p>
@@ -1301,7 +1188,7 @@
             <a:fld id="{530820CF-B880-4189-942D-D702A7CBA730}" type="datetimeFigureOut">
               <a:rPr lang="zh-CN" altLang="en-US" smtClean="0"/>
               <a:pPr/>
-              <a:t>2024/10/20</a:t>
+              <a:t>2024/10/22</a:t>
             </a:fld>
             <a:endParaRPr lang="zh-CN" altLang="en-US"/>
           </a:p>
@@ -1586,7 +1473,7 @@
             <a:fld id="{530820CF-B880-4189-942D-D702A7CBA730}" type="datetimeFigureOut">
               <a:rPr lang="zh-CN" altLang="en-US" smtClean="0"/>
               <a:pPr/>
-              <a:t>2024/10/20</a:t>
+              <a:t>2024/10/22</a:t>
             </a:fld>
             <a:endParaRPr lang="zh-CN" altLang="en-US"/>
           </a:p>
@@ -2005,7 +1892,7 @@
             <a:fld id="{530820CF-B880-4189-942D-D702A7CBA730}" type="datetimeFigureOut">
               <a:rPr lang="zh-CN" altLang="en-US" smtClean="0"/>
               <a:pPr/>
-              <a:t>2024/10/20</a:t>
+              <a:t>2024/10/22</a:t>
             </a:fld>
             <a:endParaRPr lang="zh-CN" altLang="en-US"/>
           </a:p>
@@ -2120,7 +2007,7 @@
             <a:fld id="{530820CF-B880-4189-942D-D702A7CBA730}" type="datetimeFigureOut">
               <a:rPr lang="zh-CN" altLang="en-US" smtClean="0"/>
               <a:pPr/>
-              <a:t>2024/10/20</a:t>
+              <a:t>2024/10/22</a:t>
             </a:fld>
             <a:endParaRPr lang="zh-CN" altLang="en-US"/>
           </a:p>
@@ -2212,7 +2099,7 @@
             <a:fld id="{530820CF-B880-4189-942D-D702A7CBA730}" type="datetimeFigureOut">
               <a:rPr lang="zh-CN" altLang="en-US" smtClean="0"/>
               <a:pPr/>
-              <a:t>2024/10/20</a:t>
+              <a:t>2024/10/22</a:t>
             </a:fld>
             <a:endParaRPr lang="zh-CN" altLang="en-US"/>
           </a:p>
@@ -2486,7 +2373,7 @@
             <a:fld id="{530820CF-B880-4189-942D-D702A7CBA730}" type="datetimeFigureOut">
               <a:rPr lang="zh-CN" altLang="en-US" smtClean="0"/>
               <a:pPr/>
-              <a:t>2024/10/20</a:t>
+              <a:t>2024/10/22</a:t>
             </a:fld>
             <a:endParaRPr lang="zh-CN" altLang="en-US"/>
           </a:p>
@@ -2736,7 +2623,7 @@
             <a:fld id="{530820CF-B880-4189-942D-D702A7CBA730}" type="datetimeFigureOut">
               <a:rPr lang="zh-CN" altLang="en-US" smtClean="0"/>
               <a:pPr/>
-              <a:t>2024/10/20</a:t>
+              <a:t>2024/10/22</a:t>
             </a:fld>
             <a:endParaRPr lang="zh-CN" altLang="en-US"/>
           </a:p>
@@ -2946,7 +2833,7 @@
             <a:fld id="{530820CF-B880-4189-942D-D702A7CBA730}" type="datetimeFigureOut">
               <a:rPr lang="zh-CN" altLang="en-US" smtClean="0"/>
               <a:pPr/>
-              <a:t>2024/10/20</a:t>
+              <a:t>2024/10/22</a:t>
             </a:fld>
             <a:endParaRPr lang="zh-CN" altLang="en-US"/>
           </a:p>
